--- a/GroupC 코드 가이드_작성중.pptx
+++ b/GroupC 코드 가이드_작성중.pptx
@@ -2,7 +2,7 @@
 <file path=ppt/presentation.xml><?xml version="1.0" encoding="utf-8"?>
 <p:presentation xmlns:r="http://schemas.openxmlformats.org/officeDocument/2006/relationships" xmlns:c="http://schemas.openxmlformats.org/drawingml/2006/chart" xmlns:a="http://schemas.openxmlformats.org/drawingml/2006/main" xmlns:dgm="http://schemas.openxmlformats.org/drawingml/2006/diagram" xmlns:dsp="http://schemas.microsoft.com/office/drawing/2008/diagram" xmlns:p="http://schemas.openxmlformats.org/presentationml/2006/main">
   <p:sldMasterIdLst>
-    <p:sldMasterId id="2147483737" r:id="rId1"/>
+    <p:sldMasterId id="2147483720" r:id="rId1"/>
   </p:sldMasterIdLst>
   <p:sldIdLst>
     <p:sldId id="256" r:id="rId2"/>
@@ -11186,7 +11186,7 @@
                 <a:latin typeface="나눔스퀘어라운드 Bold"/>
                 <a:ea typeface="나눔스퀘어라운드 Bold"/>
               </a:rPr>
-              <a:t>NavMainBtn.jsx : </a:t>
+              <a:t>MainNavBtn.jsx : </a:t>
             </a:r>
             <a:r>
               <a:rPr xmlns:mc="http://schemas.openxmlformats.org/markup-compatibility/2006" xmlns:hp="http://schemas.haansoft.com/office/presentation/8.0" kumimoji="0" lang="ko-KR" altLang="en-US" sz="1200" b="0" i="0" u="none" strike="noStrike" kern="1200" cap="none" spc="0" normalizeH="0" baseline="0" mc:Ignorable="hp" hp:hslEmbossed="0">
@@ -14221,9 +14221,9 @@
           <p:grpSpPr>
             <a:xfrm rot="0">
               <a:off x="2956442" y="2990119"/>
-              <a:ext cx="6017649" cy="1427693"/>
+              <a:ext cx="6017650" cy="1043330"/>
               <a:chOff x="2913388" y="4620071"/>
-              <a:chExt cx="5716266" cy="1427693"/>
+              <a:chExt cx="5716267" cy="1043330"/>
             </a:xfrm>
           </p:grpSpPr>
           <p:sp>
@@ -14267,7 +14267,7 @@
                     <a:latin typeface="나눔스퀘어라운드 Bold"/>
                     <a:ea typeface="나눔스퀘어라운드 Bold"/>
                   </a:rPr>
-                  <a:t>ManagerWithoutLogin.jsx : </a:t>
+                  <a:t>Manager.jsx : </a:t>
                 </a:r>
                 <a:r>
                   <a:rPr xmlns:mc="http://schemas.openxmlformats.org/markup-compatibility/2006" xmlns:hp="http://schemas.haansoft.com/office/presentation/8.0" kumimoji="0" lang="ko-KR" altLang="en-US" sz="1200" b="0" i="0" u="none" strike="noStrike" kern="1200" cap="none" spc="0" normalizeH="0" baseline="0" mc:Ignorable="hp" hp:hslEmbossed="0">
@@ -14277,7 +14277,7 @@
                     <a:latin typeface="나눔스퀘어라운드 Bold"/>
                     <a:ea typeface="나눔스퀘어라운드 Bold"/>
                   </a:rPr>
-                  <a:t>관리자 로그인 없이 볼수있는 정보페이지</a:t>
+                  <a:t>관리자 전용 정보페이지</a:t>
                 </a:r>
                 <a:endParaRPr xmlns:mc="http://schemas.openxmlformats.org/markup-compatibility/2006" xmlns:hp="http://schemas.haansoft.com/office/presentation/8.0" kumimoji="0" lang="ko-KR" altLang="en-US" sz="1200" b="0" i="0" u="none" strike="noStrike" kern="1200" cap="none" spc="0" normalizeH="0" baseline="0" mc:Ignorable="hp" hp:hslEmbossed="0">
                   <a:solidFill>
@@ -14330,7 +14330,7 @@
                     <a:latin typeface="나눔스퀘어라운드 Bold"/>
                     <a:ea typeface="나눔스퀘어라운드 Bold"/>
                   </a:rPr>
-                  <a:t>LoginLayout.jsx : </a:t>
+                  <a:t>SubLayout.jsx : </a:t>
                 </a:r>
                 <a:r>
                   <a:rPr xmlns:mc="http://schemas.openxmlformats.org/markup-compatibility/2006" xmlns:hp="http://schemas.haansoft.com/office/presentation/8.0" kumimoji="0" lang="ko-KR" altLang="en-US" sz="1200" b="0" i="0" u="none" strike="noStrike" kern="1200" cap="none" spc="0" normalizeH="0" baseline="0" mc:Ignorable="hp" hp:hslEmbossed="0">
@@ -14341,69 +14341,6 @@
                     <a:ea typeface="나눔스퀘어라운드 Bold"/>
                   </a:rPr>
                   <a:t>로그인 후 페이지 레이아웃 </a:t>
-                </a:r>
-                <a:endParaRPr xmlns:mc="http://schemas.openxmlformats.org/markup-compatibility/2006" xmlns:hp="http://schemas.haansoft.com/office/presentation/8.0" kumimoji="0" lang="ko-KR" altLang="en-US" sz="1200" b="0" i="0" u="none" strike="noStrike" kern="1200" cap="none" spc="0" normalizeH="0" baseline="0" mc:Ignorable="hp" hp:hslEmbossed="0">
-                  <a:solidFill>
-                    <a:srgbClr val="000000"/>
-                  </a:solidFill>
-                  <a:latin typeface="나눔스퀘어라운드 Bold"/>
-                  <a:ea typeface="나눔스퀘어라운드 Bold"/>
-                </a:endParaRPr>
-              </a:p>
-            </p:txBody>
-          </p:sp>
-          <p:sp>
-            <p:nvSpPr>
-              <p:cNvPr id="523" name=""/>
-              <p:cNvSpPr txBox="1"/>
-              <p:nvPr/>
-            </p:nvSpPr>
-            <p:spPr>
-              <a:xfrm>
-                <a:off x="2913388" y="5775622"/>
-                <a:ext cx="4677538" cy="272142"/>
-              </a:xfrm>
-              <a:prstGeom prst="rect">
-                <a:avLst/>
-              </a:prstGeom>
-            </p:spPr>
-            <p:txBody>
-              <a:bodyPr wrap="square">
-                <a:spAutoFit/>
-              </a:bodyPr>
-              <a:p>
-                <a:pPr marL="0" indent="0" algn="l" defTabSz="914400" rtl="0" eaLnBrk="1" latinLnBrk="1" hangingPunct="1">
-                  <a:lnSpc>
-                    <a:spcPct val="100000"/>
-                  </a:lnSpc>
-                  <a:spcBef>
-                    <a:spcPct val="0"/>
-                  </a:spcBef>
-                  <a:spcAft>
-                    <a:spcPts val="0"/>
-                  </a:spcAft>
-                  <a:buNone/>
-                  <a:defRPr/>
-                </a:pPr>
-                <a:r>
-                  <a:rPr xmlns:mc="http://schemas.openxmlformats.org/markup-compatibility/2006" xmlns:hp="http://schemas.haansoft.com/office/presentation/8.0" kumimoji="0" lang="en-US" altLang="ko-KR" sz="1200" b="0" i="0" u="none" strike="noStrike" kern="1200" cap="none" spc="0" normalizeH="0" baseline="0" mc:Ignorable="hp" hp:hslEmbossed="0">
-                    <a:solidFill>
-                      <a:srgbClr val="000000"/>
-                    </a:solidFill>
-                    <a:latin typeface="나눔스퀘어라운드 Bold"/>
-                    <a:ea typeface="나눔스퀘어라운드 Bold"/>
-                  </a:rPr>
-                  <a:t>ManagerLogin.jsx : </a:t>
-                </a:r>
-                <a:r>
-                  <a:rPr xmlns:mc="http://schemas.openxmlformats.org/markup-compatibility/2006" xmlns:hp="http://schemas.haansoft.com/office/presentation/8.0" kumimoji="0" lang="ko-KR" altLang="en-US" sz="1200" b="0" i="0" u="none" strike="noStrike" kern="1200" cap="none" spc="0" normalizeH="0" baseline="0" mc:Ignorable="hp" hp:hslEmbossed="0">
-                    <a:solidFill>
-                      <a:srgbClr val="000000"/>
-                    </a:solidFill>
-                    <a:latin typeface="나눔스퀘어라운드 Bold"/>
-                    <a:ea typeface="나눔스퀘어라운드 Bold"/>
-                  </a:rPr>
-                  <a:t>관리자 로그인 후 페이지</a:t>
                 </a:r>
                 <a:endParaRPr xmlns:mc="http://schemas.openxmlformats.org/markup-compatibility/2006" xmlns:hp="http://schemas.haansoft.com/office/presentation/8.0" kumimoji="0" lang="ko-KR" altLang="en-US" sz="1200" b="0" i="0" u="none" strike="noStrike" kern="1200" cap="none" spc="0" normalizeH="0" baseline="0" mc:Ignorable="hp" hp:hslEmbossed="0">
                   <a:solidFill>
@@ -14456,7 +14393,7 @@
                     <a:latin typeface="나눔스퀘어라운드 Bold"/>
                     <a:ea typeface="나눔스퀘어라운드 Bold"/>
                   </a:rPr>
-                  <a:t>ClientLogin.jsx : </a:t>
+                  <a:t>Client.jsx : </a:t>
                 </a:r>
                 <a:r>
                   <a:rPr xmlns:mc="http://schemas.openxmlformats.org/markup-compatibility/2006" xmlns:hp="http://schemas.haansoft.com/office/presentation/8.0" kumimoji="0" lang="ko-KR" altLang="en-US" sz="1200" b="0" i="0" u="none" strike="noStrike" kern="1200" cap="none" spc="0" normalizeH="0" baseline="0" mc:Ignorable="hp" hp:hslEmbossed="0">
@@ -14466,7 +14403,7 @@
                     <a:latin typeface="나눔스퀘어라운드 Bold"/>
                     <a:ea typeface="나눔스퀘어라운드 Bold"/>
                   </a:rPr>
-                  <a:t>보호자 로그인 후 페이지 </a:t>
+                  <a:t>보호자 전용 정보페이지</a:t>
                 </a:r>
                 <a:endParaRPr xmlns:mc="http://schemas.openxmlformats.org/markup-compatibility/2006" xmlns:hp="http://schemas.haansoft.com/office/presentation/8.0" kumimoji="0" lang="ko-KR" altLang="en-US" sz="1200" b="0" i="0" u="none" strike="noStrike" kern="1200" cap="none" spc="0" normalizeH="0" baseline="0" mc:Ignorable="hp" hp:hslEmbossed="0">
                   <a:solidFill>
@@ -15256,7 +15193,7 @@
                 <a:latin typeface="나눔스퀘어라운드 Bold"/>
                 <a:ea typeface="나눔스퀘어라운드 Bold"/>
               </a:rPr>
-              <a:t>LinkMenu.jsx : ClientLogin, Manager</a:t>
+              <a:t>LinkMenu.jsx : Client, Manager</a:t>
             </a:r>
             <a:r>
               <a:rPr xmlns:mc="http://schemas.openxmlformats.org/markup-compatibility/2006" xmlns:hp="http://schemas.haansoft.com/office/presentation/8.0" kumimoji="0" lang="ko-KR" altLang="en-US" sz="1200" b="0" i="0" u="none" strike="noStrike" kern="1200" cap="none" spc="0" normalizeH="0" baseline="0" mc:Ignorable="hp" hp:hslEmbossed="0">
@@ -15341,7 +15278,27 @@
               </a:rPr>
               <a:t>공지사항 고정 게시글 링트 버튼 컴포넌트</a:t>
             </a:r>
-            <a:endParaRPr xmlns:mc="http://schemas.openxmlformats.org/markup-compatibility/2006" xmlns:hp="http://schemas.haansoft.com/office/presentation/8.0" kumimoji="0" lang="en-US" altLang="ko-KR" sz="1200" b="0" i="0" u="none" strike="noStrike" kern="1200" cap="none" spc="0" normalizeH="0" baseline="0" mc:Ignorable="hp" hp:hslEmbossed="0">
+            <a:r>
+              <a:rPr xmlns:mc="http://schemas.openxmlformats.org/markup-compatibility/2006" xmlns:hp="http://schemas.haansoft.com/office/presentation/8.0" kumimoji="0" lang="en-US" altLang="ko-KR" sz="1200" b="0" i="0" u="none" strike="noStrike" kern="1200" cap="none" spc="0" normalizeH="0" baseline="0" mc:Ignorable="hp" hp:hslEmbossed="0">
+                <a:solidFill>
+                  <a:schemeClr val="dk1"/>
+                </a:solidFill>
+                <a:latin typeface="나눔스퀘어라운드 Bold"/>
+                <a:ea typeface="나눔스퀘어라운드 Bold"/>
+              </a:rPr>
+              <a:t>, django</a:t>
+            </a:r>
+            <a:r>
+              <a:rPr xmlns:mc="http://schemas.openxmlformats.org/markup-compatibility/2006" xmlns:hp="http://schemas.haansoft.com/office/presentation/8.0" kumimoji="0" lang="ko-KR" altLang="en-US" sz="1200" b="0" i="0" u="none" strike="noStrike" kern="1200" cap="none" spc="0" normalizeH="0" baseline="0" mc:Ignorable="hp" hp:hslEmbossed="0">
+                <a:solidFill>
+                  <a:schemeClr val="dk1"/>
+                </a:solidFill>
+                <a:latin typeface="나눔스퀘어라운드 Bold"/>
+                <a:ea typeface="나눔스퀘어라운드 Bold"/>
+              </a:rPr>
+              <a:t> 게시판 연결</a:t>
+            </a:r>
+            <a:endParaRPr xmlns:mc="http://schemas.openxmlformats.org/markup-compatibility/2006" xmlns:hp="http://schemas.haansoft.com/office/presentation/8.0" kumimoji="0" lang="ko-KR" altLang="en-US" sz="1200" b="0" i="0" u="none" strike="noStrike" kern="1200" cap="none" spc="0" normalizeH="0" baseline="0" mc:Ignorable="hp" hp:hslEmbossed="0">
               <a:solidFill>
                 <a:schemeClr val="dk1"/>
               </a:solidFill>
